--- a/IT002-OOP/Slide thực hành/Lab 2. BasicOOP.pptx
+++ b/IT002-OOP/Slide thực hành/Lab 2. BasicOOP.pptx
@@ -206,7 +206,7 @@
           </a:lstStyle>
           <a:p>
             <a:fld id="{958D222D-D952-C145-843D-199D302A77DA}" type="datetimeFigureOut">
-              <a:t>09/05/2023</a:t>
+              <a:t>10/9/25</a:t>
             </a:fld>
             <a:endParaRPr lang="en-VN"/>
           </a:p>
@@ -619,7 +619,7 @@
           <a:lstStyle/>
           <a:p>
             <a:fld id="{BA21F3C2-B57D-3E41-BF6C-EA55D594EAF9}" type="datetime1">
-              <a:t>09/05/2023</a:t>
+              <a:t>10/9/25</a:t>
             </a:fld>
             <a:endParaRPr lang="vi-VN"/>
           </a:p>
@@ -816,7 +816,7 @@
           <a:lstStyle/>
           <a:p>
             <a:fld id="{2498E743-56C3-794A-820B-17D4956630DE}" type="datetime1">
-              <a:t>09/05/2023</a:t>
+              <a:t>10/9/25</a:t>
             </a:fld>
             <a:endParaRPr lang="vi-VN"/>
           </a:p>
@@ -1023,7 +1023,7 @@
           <a:lstStyle/>
           <a:p>
             <a:fld id="{FAF0F1FD-B947-B94C-95BB-E232BA8CF790}" type="datetime1">
-              <a:t>09/05/2023</a:t>
+              <a:t>10/9/25</a:t>
             </a:fld>
             <a:endParaRPr lang="vi-VN"/>
           </a:p>
@@ -1220,7 +1220,7 @@
           <a:lstStyle/>
           <a:p>
             <a:fld id="{AAEAA688-E0EE-9947-AF54-275A5CC4607E}" type="datetime1">
-              <a:t>09/05/2023</a:t>
+              <a:t>10/9/25</a:t>
             </a:fld>
             <a:endParaRPr lang="vi-VN"/>
           </a:p>
@@ -1494,7 +1494,7 @@
           <a:lstStyle/>
           <a:p>
             <a:fld id="{7D3F1FA4-A028-3948-A2A0-7EF0DDAED790}" type="datetime1">
-              <a:t>09/05/2023</a:t>
+              <a:t>10/9/25</a:t>
             </a:fld>
             <a:endParaRPr lang="vi-VN"/>
           </a:p>
@@ -1758,7 +1758,7 @@
           <a:lstStyle/>
           <a:p>
             <a:fld id="{31B05B27-375A-4F4B-A2D3-A972CD86167C}" type="datetime1">
-              <a:t>09/05/2023</a:t>
+              <a:t>10/9/25</a:t>
             </a:fld>
             <a:endParaRPr lang="vi-VN"/>
           </a:p>
@@ -2169,7 +2169,7 @@
           <a:lstStyle/>
           <a:p>
             <a:fld id="{2CB5D569-E6B5-4045-8050-1B7F37402870}" type="datetime1">
-              <a:t>09/05/2023</a:t>
+              <a:t>10/9/25</a:t>
             </a:fld>
             <a:endParaRPr lang="vi-VN"/>
           </a:p>
@@ -2309,7 +2309,7 @@
           <a:lstStyle/>
           <a:p>
             <a:fld id="{C77F97F4-3CD5-B145-93CB-38CE0D066AC8}" type="datetime1">
-              <a:t>09/05/2023</a:t>
+              <a:t>10/9/25</a:t>
             </a:fld>
             <a:endParaRPr lang="vi-VN"/>
           </a:p>
@@ -2421,7 +2421,7 @@
           <a:lstStyle/>
           <a:p>
             <a:fld id="{4E0AB828-BF93-334A-8690-1974B785229D}" type="datetime1">
-              <a:t>09/05/2023</a:t>
+              <a:t>10/9/25</a:t>
             </a:fld>
             <a:endParaRPr lang="vi-VN"/>
           </a:p>
@@ -2731,7 +2731,7 @@
           <a:lstStyle/>
           <a:p>
             <a:fld id="{D835CEF8-F6A4-514B-9449-BD54CF4E16E9}" type="datetime1">
-              <a:t>09/05/2023</a:t>
+              <a:t>10/9/25</a:t>
             </a:fld>
             <a:endParaRPr lang="vi-VN"/>
           </a:p>
@@ -3018,7 +3018,7 @@
           <a:lstStyle/>
           <a:p>
             <a:fld id="{74EB4E90-1B5A-CF4A-84BC-B609AD83272C}" type="datetime1">
-              <a:t>09/05/2023</a:t>
+              <a:t>10/9/25</a:t>
             </a:fld>
             <a:endParaRPr lang="vi-VN"/>
           </a:p>
@@ -3258,7 +3258,7 @@
           </a:lstStyle>
           <a:p>
             <a:fld id="{10240D51-4099-F14F-BD0C-381AB08DEFBC}" type="datetime1">
-              <a:t>09/05/2023</a:t>
+              <a:t>10/9/25</a:t>
             </a:fld>
             <a:endParaRPr lang="vi-VN"/>
           </a:p>
@@ -3699,7 +3699,7 @@
           <a:p>
             <a:r>
               <a:rPr lang="en-US"/>
-              <a:t>Lab 2</a:t>
+              <a:t>Thực hành Lab 2 môn Lập trình hướng đối tượng</a:t>
             </a:r>
             <a:endParaRPr lang="vi-VN"/>
           </a:p>
@@ -9355,8 +9355,8 @@
           </a:p>
         </p:txBody>
       </p:sp>
-      <mc:AlternateContent xmlns:mc="http://schemas.openxmlformats.org/markup-compatibility/2006">
-        <mc:Choice xmlns:a14="http://schemas.microsoft.com/office/drawing/2010/main" Requires="a14">
+      <mc:AlternateContent xmlns:mc="http://schemas.openxmlformats.org/markup-compatibility/2006" xmlns:a14="http://schemas.microsoft.com/office/drawing/2010/main">
+        <mc:Choice Requires="a14">
           <p:sp>
             <p:nvSpPr>
               <p:cNvPr id="3" name="Content Placeholder 2"/>
@@ -9450,7 +9450,7 @@
             </p:txBody>
           </p:sp>
         </mc:Choice>
-        <mc:Fallback>
+        <mc:Fallback xmlns="">
           <p:sp>
             <p:nvSpPr>
               <p:cNvPr id="3" name="Content Placeholder 2"/>
